--- a/2020/_Projects/캐릭터 컨셉.pptx
+++ b/2020/_Projects/캐릭터 컨셉.pptx
@@ -262,7 +262,7 @@
           <a:p>
             <a:fld id="{DA27504E-B695-483E-8899-DB8130962F72}" type="datetimeFigureOut">
               <a:rPr lang="ko-KR" altLang="en-US" smtClean="0"/>
-              <a:t>2020-01-16</a:t>
+              <a:t>2020-01-18</a:t>
             </a:fld>
             <a:endParaRPr lang="ko-KR" altLang="en-US"/>
           </a:p>
@@ -460,7 +460,7 @@
           <a:p>
             <a:fld id="{DA27504E-B695-483E-8899-DB8130962F72}" type="datetimeFigureOut">
               <a:rPr lang="ko-KR" altLang="en-US" smtClean="0"/>
-              <a:t>2020-01-16</a:t>
+              <a:t>2020-01-18</a:t>
             </a:fld>
             <a:endParaRPr lang="ko-KR" altLang="en-US"/>
           </a:p>
@@ -668,7 +668,7 @@
           <a:p>
             <a:fld id="{DA27504E-B695-483E-8899-DB8130962F72}" type="datetimeFigureOut">
               <a:rPr lang="ko-KR" altLang="en-US" smtClean="0"/>
-              <a:t>2020-01-16</a:t>
+              <a:t>2020-01-18</a:t>
             </a:fld>
             <a:endParaRPr lang="ko-KR" altLang="en-US"/>
           </a:p>
@@ -882,7 +882,7 @@
           <a:p>
             <a:fld id="{DA27504E-B695-483E-8899-DB8130962F72}" type="datetimeFigureOut">
               <a:rPr lang="ko-KR" altLang="en-US" smtClean="0"/>
-              <a:t>2020-01-16</a:t>
+              <a:t>2020-01-18</a:t>
             </a:fld>
             <a:endParaRPr lang="ko-KR" altLang="en-US"/>
           </a:p>
@@ -1157,7 +1157,7 @@
           <a:p>
             <a:fld id="{DA27504E-B695-483E-8899-DB8130962F72}" type="datetimeFigureOut">
               <a:rPr lang="ko-KR" altLang="en-US" smtClean="0"/>
-              <a:t>2020-01-16</a:t>
+              <a:t>2020-01-18</a:t>
             </a:fld>
             <a:endParaRPr lang="ko-KR" altLang="en-US"/>
           </a:p>
@@ -1422,7 +1422,7 @@
           <a:p>
             <a:fld id="{DA27504E-B695-483E-8899-DB8130962F72}" type="datetimeFigureOut">
               <a:rPr lang="ko-KR" altLang="en-US" smtClean="0"/>
-              <a:t>2020-01-16</a:t>
+              <a:t>2020-01-18</a:t>
             </a:fld>
             <a:endParaRPr lang="ko-KR" altLang="en-US"/>
           </a:p>
@@ -1834,7 +1834,7 @@
           <a:p>
             <a:fld id="{DA27504E-B695-483E-8899-DB8130962F72}" type="datetimeFigureOut">
               <a:rPr lang="ko-KR" altLang="en-US" smtClean="0"/>
-              <a:t>2020-01-16</a:t>
+              <a:t>2020-01-18</a:t>
             </a:fld>
             <a:endParaRPr lang="ko-KR" altLang="en-US"/>
           </a:p>
@@ -1975,7 +1975,7 @@
           <a:p>
             <a:fld id="{DA27504E-B695-483E-8899-DB8130962F72}" type="datetimeFigureOut">
               <a:rPr lang="ko-KR" altLang="en-US" smtClean="0"/>
-              <a:t>2020-01-16</a:t>
+              <a:t>2020-01-18</a:t>
             </a:fld>
             <a:endParaRPr lang="ko-KR" altLang="en-US"/>
           </a:p>
@@ -2088,7 +2088,7 @@
           <a:p>
             <a:fld id="{DA27504E-B695-483E-8899-DB8130962F72}" type="datetimeFigureOut">
               <a:rPr lang="ko-KR" altLang="en-US" smtClean="0"/>
-              <a:t>2020-01-16</a:t>
+              <a:t>2020-01-18</a:t>
             </a:fld>
             <a:endParaRPr lang="ko-KR" altLang="en-US"/>
           </a:p>
@@ -2399,7 +2399,7 @@
           <a:p>
             <a:fld id="{DA27504E-B695-483E-8899-DB8130962F72}" type="datetimeFigureOut">
               <a:rPr lang="ko-KR" altLang="en-US" smtClean="0"/>
-              <a:t>2020-01-16</a:t>
+              <a:t>2020-01-18</a:t>
             </a:fld>
             <a:endParaRPr lang="ko-KR" altLang="en-US"/>
           </a:p>
@@ -2687,7 +2687,7 @@
           <a:p>
             <a:fld id="{DA27504E-B695-483E-8899-DB8130962F72}" type="datetimeFigureOut">
               <a:rPr lang="ko-KR" altLang="en-US" smtClean="0"/>
-              <a:t>2020-01-16</a:t>
+              <a:t>2020-01-18</a:t>
             </a:fld>
             <a:endParaRPr lang="ko-KR" altLang="en-US"/>
           </a:p>
@@ -2928,7 +2928,7 @@
           <a:p>
             <a:fld id="{DA27504E-B695-483E-8899-DB8130962F72}" type="datetimeFigureOut">
               <a:rPr lang="ko-KR" altLang="en-US" smtClean="0"/>
-              <a:t>2020-01-16</a:t>
+              <a:t>2020-01-18</a:t>
             </a:fld>
             <a:endParaRPr lang="ko-KR" altLang="en-US"/>
           </a:p>
@@ -4060,7 +4060,7 @@
         </p:nvSpPr>
         <p:spPr>
           <a:xfrm>
-            <a:off x="5923280" y="3919900"/>
+            <a:off x="12450161" y="71026"/>
             <a:ext cx="6096000" cy="1754326"/>
           </a:xfrm>
           <a:prstGeom prst="rect">
